--- a/presentation/TU Berlin workshop - Karlsruhe.pptx
+++ b/presentation/TU Berlin workshop - Karlsruhe.pptx
@@ -198,7 +198,7 @@
           <a:bodyPr lIns="0" rIns="0" tIns="0" bIns="0" anchor="b"/>
           <a:p>
             <a:pPr algn="r"/>
-            <a:fld id="{106A4E09-8F0C-4F09-A026-5E638369F1F9}" type="slidenum">
+            <a:fld id="{4C844105-13C2-4B21-BB2B-B3F5CCF5BCB9}" type="slidenum">
               <a:rPr lang="en-US" sz="1400">
                 <a:latin typeface="Times New Roman"/>
               </a:rPr>
@@ -233,7 +233,7 @@
       </p:grpSpPr>
       <p:sp>
         <p:nvSpPr>
-          <p:cNvPr id="361" name="PlaceHolder 1"/>
+          <p:cNvPr id="360" name="PlaceHolder 1"/>
           <p:cNvSpPr>
             <a:spLocks noGrp="1"/>
           </p:cNvSpPr>
@@ -274,7 +274,7 @@
       </p:sp>
       <p:sp>
         <p:nvSpPr>
-          <p:cNvPr id="362" name="TextShape 2"/>
+          <p:cNvPr id="361" name="TextShape 2"/>
           <p:cNvSpPr txBox="1"/>
           <p:nvPr/>
         </p:nvSpPr>
@@ -295,7 +295,7 @@
                 <a:spcPct val="100000"/>
               </a:lnSpc>
             </a:pPr>
-            <a:fld id="{005D28BB-79F9-467E-9F20-AB2145600378}" type="slidenum">
+            <a:fld id="{16C18792-8D6A-4CF4-ADBC-5CE17652CB36}" type="slidenum">
               <a:rPr lang="en-US" sz="1200">
                 <a:solidFill>
                   <a:srgbClr val="000000"/>
@@ -6622,7 +6622,7 @@
                 <a:spcPct val="100000"/>
               </a:lnSpc>
             </a:pPr>
-            <a:fld id="{BADA7D9B-F8EA-4F23-AFFF-A02941E506B8}" type="slidenum">
+            <a:fld id="{77C976F5-C64E-4084-BDE2-D6A0FC8FE81A}" type="slidenum">
               <a:rPr lang="en-US" sz="1200">
                 <a:solidFill>
                   <a:srgbClr val="8b8b8b"/>
@@ -6961,7 +6961,7 @@
                 <a:spcPct val="100000"/>
               </a:lnSpc>
             </a:pPr>
-            <a:fld id="{544608C6-05BF-481D-ACE5-88F54027AF2F}" type="slidenum">
+            <a:fld id="{EE6BDC27-6B91-47AE-82C1-D83259532C97}" type="slidenum">
               <a:rPr lang="en-US" sz="1200">
                 <a:solidFill>
                   <a:srgbClr val="ffffff"/>
@@ -7577,7 +7577,7 @@
                 <a:spcPct val="100000"/>
               </a:lnSpc>
             </a:pPr>
-            <a:fld id="{CD1E7F58-2ABC-4E89-B45E-14FDAE0753AE}" type="slidenum">
+            <a:fld id="{9935C1C7-6516-4342-B37A-82C1EF148A6B}" type="slidenum">
               <a:rPr lang="en-US" sz="1200">
                 <a:solidFill>
                   <a:srgbClr val="8b8b8b"/>
@@ -7800,7 +7800,7 @@
                 <a:spcPct val="100000"/>
               </a:lnSpc>
             </a:pPr>
-            <a:fld id="{03757652-90E4-4122-81CE-8458F76118D8}" type="slidenum">
+            <a:fld id="{C526DDB0-38F5-4261-A44E-94A9648CDF94}" type="slidenum">
               <a:rPr lang="en-US" sz="1200">
                 <a:solidFill>
                   <a:srgbClr val="8b8b8b"/>
@@ -8207,31 +8207,6 @@
           </a:p>
         </p:txBody>
       </p:sp>
-      <p:pic>
-        <p:nvPicPr>
-          <p:cNvPr id="207" name="" descr=""/>
-          <p:cNvPicPr/>
-          <p:nvPr/>
-        </p:nvPicPr>
-        <p:blipFill>
-          <a:blip r:embed="rId2"/>
-          <a:stretch>
-            <a:fillRect/>
-          </a:stretch>
-        </p:blipFill>
-        <p:spPr>
-          <a:xfrm>
-            <a:off x="793440" y="604080"/>
-            <a:ext cx="1805760" cy="1005840"/>
-          </a:xfrm>
-          <a:prstGeom prst="rect">
-            <a:avLst/>
-          </a:prstGeom>
-          <a:ln>
-            <a:noFill/>
-          </a:ln>
-        </p:spPr>
-      </p:pic>
     </p:spTree>
   </p:cSld>
   <p:timing>
@@ -8283,7 +8258,7 @@
       </p:grpSpPr>
       <p:sp>
         <p:nvSpPr>
-          <p:cNvPr id="355" name="TextShape 1"/>
+          <p:cNvPr id="354" name="TextShape 1"/>
           <p:cNvSpPr txBox="1"/>
           <p:nvPr/>
         </p:nvSpPr>
@@ -8319,7 +8294,7 @@
       </p:sp>
       <p:sp>
         <p:nvSpPr>
-          <p:cNvPr id="356" name="TextShape 2"/>
+          <p:cNvPr id="355" name="TextShape 2"/>
           <p:cNvSpPr txBox="1"/>
           <p:nvPr/>
         </p:nvSpPr>
@@ -8509,7 +8484,7 @@
       </p:sp>
       <p:sp>
         <p:nvSpPr>
-          <p:cNvPr id="357" name="TextShape 3"/>
+          <p:cNvPr id="356" name="TextShape 3"/>
           <p:cNvSpPr txBox="1"/>
           <p:nvPr/>
         </p:nvSpPr>
@@ -8530,7 +8505,7 @@
                 <a:spcPct val="100000"/>
               </a:lnSpc>
             </a:pPr>
-            <a:fld id="{E8B244BD-9699-4836-BBB1-3FAA277F12E1}" type="slidenum">
+            <a:fld id="{884695A8-423C-4E90-90B4-0589AD1D82B3}" type="slidenum">
               <a:rPr lang="en-US" sz="1200">
                 <a:solidFill>
                   <a:srgbClr val="8b8b8b"/>
@@ -8594,7 +8569,7 @@
       </p:grpSpPr>
       <p:sp>
         <p:nvSpPr>
-          <p:cNvPr id="358" name="TextShape 1"/>
+          <p:cNvPr id="357" name="TextShape 1"/>
           <p:cNvSpPr txBox="1"/>
           <p:nvPr/>
         </p:nvSpPr>
@@ -8622,15 +8597,15 @@
                 </a:solidFill>
                 <a:latin typeface="Avenir Next Demi Bold"/>
               </a:rPr>
-              <a:t>Hands on</a:t>
-            </a:r>
-            <a:endParaRPr/>
-          </a:p>
-        </p:txBody>
-      </p:sp>
-      <p:sp>
-        <p:nvSpPr>
-          <p:cNvPr id="359" name="TextShape 2"/>
+              <a:t>Hands-on</a:t>
+            </a:r>
+            <a:endParaRPr/>
+          </a:p>
+        </p:txBody>
+      </p:sp>
+      <p:sp>
+        <p:nvSpPr>
+          <p:cNvPr id="358" name="TextShape 2"/>
           <p:cNvSpPr txBox="1"/>
           <p:nvPr/>
         </p:nvSpPr>
@@ -8875,7 +8850,7 @@
       </p:sp>
       <p:sp>
         <p:nvSpPr>
-          <p:cNvPr id="360" name="TextShape 3"/>
+          <p:cNvPr id="359" name="TextShape 3"/>
           <p:cNvSpPr txBox="1"/>
           <p:nvPr/>
         </p:nvSpPr>
@@ -8896,7 +8871,7 @@
                 <a:spcPct val="100000"/>
               </a:lnSpc>
             </a:pPr>
-            <a:fld id="{D9CDE27B-7649-4C48-8926-DD2144629D5D}" type="slidenum">
+            <a:fld id="{3D108676-4ED5-4976-B3D8-C9AEB93F0A5B}" type="slidenum">
               <a:rPr lang="en-US" sz="1200">
                 <a:solidFill>
                   <a:srgbClr val="8b8b8b"/>
@@ -8960,7 +8935,7 @@
       </p:grpSpPr>
       <p:sp>
         <p:nvSpPr>
-          <p:cNvPr id="208" name="TextShape 1"/>
+          <p:cNvPr id="207" name="TextShape 1"/>
           <p:cNvSpPr txBox="1"/>
           <p:nvPr/>
         </p:nvSpPr>
@@ -8996,7 +8971,7 @@
       </p:sp>
       <p:sp>
         <p:nvSpPr>
-          <p:cNvPr id="209" name="TextShape 2"/>
+          <p:cNvPr id="208" name="TextShape 2"/>
           <p:cNvSpPr txBox="1"/>
           <p:nvPr/>
         </p:nvSpPr>
@@ -9017,7 +8992,7 @@
                 <a:spcPct val="100000"/>
               </a:lnSpc>
             </a:pPr>
-            <a:fld id="{E2951EBF-151C-4C07-A4FF-2C1FF8E5538B}" type="slidenum">
+            <a:fld id="{DE0AC0F0-D3F0-44D6-B870-6255154CCEED}" type="slidenum">
               <a:rPr lang="en-US" sz="1200">
                 <a:solidFill>
                   <a:srgbClr val="8b8b8b"/>
@@ -9032,7 +9007,7 @@
       </p:sp>
       <p:sp>
         <p:nvSpPr>
-          <p:cNvPr id="210" name="TextShape 3"/>
+          <p:cNvPr id="209" name="TextShape 3"/>
           <p:cNvSpPr txBox="1"/>
           <p:nvPr/>
         </p:nvSpPr>
@@ -9090,7 +9065,7 @@
                 </a:solidFill>
                 <a:latin typeface="Avenir Next Regular"/>
               </a:rPr>
-              <a:t>All major data management and database systems have a SQL integration</a:t>
+              <a:t>All major data management and database systems support SQL</a:t>
             </a:r>
             <a:endParaRPr/>
           </a:p>
@@ -9200,7 +9175,7 @@
       </p:grpSpPr>
       <p:sp>
         <p:nvSpPr>
-          <p:cNvPr id="211" name="TextShape 1"/>
+          <p:cNvPr id="210" name="TextShape 1"/>
           <p:cNvSpPr txBox="1"/>
           <p:nvPr/>
         </p:nvSpPr>
@@ -9236,7 +9211,7 @@
       </p:sp>
       <p:sp>
         <p:nvSpPr>
-          <p:cNvPr id="212" name="TextShape 2"/>
+          <p:cNvPr id="211" name="TextShape 2"/>
           <p:cNvSpPr txBox="1"/>
           <p:nvPr/>
         </p:nvSpPr>
@@ -9257,7 +9232,7 @@
                 <a:spcPct val="100000"/>
               </a:lnSpc>
             </a:pPr>
-            <a:fld id="{5C4876A9-279E-4E1C-9341-AC3318FB5DDC}" type="slidenum">
+            <a:fld id="{45D69166-1479-4BFE-8298-1806201F6EE1}" type="slidenum">
               <a:rPr lang="en-US" sz="1200">
                 <a:solidFill>
                   <a:srgbClr val="8b8b8b"/>
@@ -9272,7 +9247,7 @@
       </p:sp>
       <p:sp>
         <p:nvSpPr>
-          <p:cNvPr id="213" name="CustomShape 3"/>
+          <p:cNvPr id="212" name="CustomShape 3"/>
           <p:cNvSpPr/>
           <p:nvPr/>
         </p:nvSpPr>
@@ -9585,7 +9560,7 @@
       </p:grpSpPr>
       <p:sp>
         <p:nvSpPr>
-          <p:cNvPr id="214" name="TextShape 1"/>
+          <p:cNvPr id="213" name="TextShape 1"/>
           <p:cNvSpPr txBox="1"/>
           <p:nvPr/>
         </p:nvSpPr>
@@ -9621,7 +9596,7 @@
       </p:sp>
       <p:sp>
         <p:nvSpPr>
-          <p:cNvPr id="215" name="TextShape 2"/>
+          <p:cNvPr id="214" name="TextShape 2"/>
           <p:cNvSpPr txBox="1"/>
           <p:nvPr/>
         </p:nvSpPr>
@@ -9642,7 +9617,7 @@
                 <a:spcPct val="100000"/>
               </a:lnSpc>
             </a:pPr>
-            <a:fld id="{8C08D09E-D235-48F5-BD90-9707A1E348EE}" type="slidenum">
+            <a:fld id="{A1D1B3E8-EED7-4887-803A-11B4297223F3}" type="slidenum">
               <a:rPr lang="en-US" sz="1200">
                 <a:solidFill>
                   <a:srgbClr val="8b8b8b"/>
@@ -9657,7 +9632,7 @@
       </p:sp>
       <p:sp>
         <p:nvSpPr>
-          <p:cNvPr id="216" name="CustomShape 3"/>
+          <p:cNvPr id="215" name="CustomShape 3"/>
           <p:cNvSpPr/>
           <p:nvPr/>
         </p:nvSpPr>
@@ -9702,7 +9677,7 @@
       </p:sp>
       <p:sp>
         <p:nvSpPr>
-          <p:cNvPr id="217" name="CustomShape 4"/>
+          <p:cNvPr id="216" name="CustomShape 4"/>
           <p:cNvSpPr/>
           <p:nvPr/>
         </p:nvSpPr>
@@ -9747,7 +9722,7 @@
       </p:sp>
       <p:sp>
         <p:nvSpPr>
-          <p:cNvPr id="218" name="CustomShape 5"/>
+          <p:cNvPr id="217" name="CustomShape 5"/>
           <p:cNvSpPr/>
           <p:nvPr/>
         </p:nvSpPr>
@@ -9792,7 +9767,7 @@
       </p:sp>
       <p:sp>
         <p:nvSpPr>
-          <p:cNvPr id="219" name="CustomShape 6"/>
+          <p:cNvPr id="218" name="CustomShape 6"/>
           <p:cNvSpPr/>
           <p:nvPr/>
         </p:nvSpPr>
@@ -9816,7 +9791,7 @@
       </p:sp>
       <p:sp>
         <p:nvSpPr>
-          <p:cNvPr id="220" name="CustomShape 7"/>
+          <p:cNvPr id="219" name="CustomShape 7"/>
           <p:cNvSpPr/>
           <p:nvPr/>
         </p:nvSpPr>
@@ -9840,7 +9815,7 @@
       </p:sp>
       <p:sp>
         <p:nvSpPr>
-          <p:cNvPr id="221" name="CustomShape 8"/>
+          <p:cNvPr id="220" name="CustomShape 8"/>
           <p:cNvSpPr/>
           <p:nvPr/>
         </p:nvSpPr>
@@ -9885,7 +9860,7 @@
       </p:sp>
       <p:sp>
         <p:nvSpPr>
-          <p:cNvPr id="222" name="CustomShape 9"/>
+          <p:cNvPr id="221" name="CustomShape 9"/>
           <p:cNvSpPr/>
           <p:nvPr/>
         </p:nvSpPr>
@@ -9909,7 +9884,7 @@
       </p:sp>
       <p:sp>
         <p:nvSpPr>
-          <p:cNvPr id="223" name="CustomShape 10"/>
+          <p:cNvPr id="222" name="CustomShape 10"/>
           <p:cNvSpPr/>
           <p:nvPr/>
         </p:nvSpPr>
@@ -9954,7 +9929,7 @@
       </p:sp>
       <p:sp>
         <p:nvSpPr>
-          <p:cNvPr id="224" name="CustomShape 11"/>
+          <p:cNvPr id="223" name="CustomShape 11"/>
           <p:cNvSpPr/>
           <p:nvPr/>
         </p:nvSpPr>
@@ -9978,7 +9953,7 @@
       </p:sp>
       <p:sp>
         <p:nvSpPr>
-          <p:cNvPr id="225" name="CustomShape 12"/>
+          <p:cNvPr id="224" name="CustomShape 12"/>
           <p:cNvSpPr/>
           <p:nvPr/>
         </p:nvSpPr>
@@ -10023,7 +9998,7 @@
       </p:sp>
       <p:sp>
         <p:nvSpPr>
-          <p:cNvPr id="226" name="CustomShape 13"/>
+          <p:cNvPr id="225" name="CustomShape 13"/>
           <p:cNvSpPr/>
           <p:nvPr/>
         </p:nvSpPr>
@@ -10068,7 +10043,7 @@
       </p:sp>
       <p:sp>
         <p:nvSpPr>
-          <p:cNvPr id="227" name="CustomShape 14"/>
+          <p:cNvPr id="226" name="CustomShape 14"/>
           <p:cNvSpPr/>
           <p:nvPr/>
         </p:nvSpPr>
@@ -10113,7 +10088,7 @@
       </p:sp>
       <p:sp>
         <p:nvSpPr>
-          <p:cNvPr id="228" name="CustomShape 15"/>
+          <p:cNvPr id="227" name="CustomShape 15"/>
           <p:cNvSpPr/>
           <p:nvPr/>
         </p:nvSpPr>
@@ -10137,7 +10112,7 @@
       </p:sp>
       <p:sp>
         <p:nvSpPr>
-          <p:cNvPr id="229" name="CustomShape 16"/>
+          <p:cNvPr id="228" name="CustomShape 16"/>
           <p:cNvSpPr/>
           <p:nvPr/>
         </p:nvSpPr>
@@ -10161,7 +10136,7 @@
       </p:sp>
       <p:sp>
         <p:nvSpPr>
-          <p:cNvPr id="230" name="CustomShape 17"/>
+          <p:cNvPr id="229" name="CustomShape 17"/>
           <p:cNvSpPr/>
           <p:nvPr/>
         </p:nvSpPr>
@@ -10185,7 +10160,7 @@
       </p:sp>
       <p:sp>
         <p:nvSpPr>
-          <p:cNvPr id="231" name="CustomShape 18"/>
+          <p:cNvPr id="230" name="CustomShape 18"/>
           <p:cNvSpPr/>
           <p:nvPr/>
         </p:nvSpPr>
@@ -10212,7 +10187,7 @@
       </p:sp>
       <p:sp>
         <p:nvSpPr>
-          <p:cNvPr id="232" name="CustomShape 19"/>
+          <p:cNvPr id="231" name="CustomShape 19"/>
           <p:cNvSpPr/>
           <p:nvPr/>
         </p:nvSpPr>
@@ -10257,7 +10232,7 @@
       </p:sp>
       <p:sp>
         <p:nvSpPr>
-          <p:cNvPr id="233" name="CustomShape 20"/>
+          <p:cNvPr id="232" name="CustomShape 20"/>
           <p:cNvSpPr/>
           <p:nvPr/>
         </p:nvSpPr>
@@ -10302,7 +10277,7 @@
       </p:sp>
       <p:sp>
         <p:nvSpPr>
-          <p:cNvPr id="234" name="CustomShape 21"/>
+          <p:cNvPr id="233" name="CustomShape 21"/>
           <p:cNvSpPr/>
           <p:nvPr/>
         </p:nvSpPr>
@@ -10347,7 +10322,7 @@
       </p:sp>
       <p:sp>
         <p:nvSpPr>
-          <p:cNvPr id="235" name="CustomShape 22"/>
+          <p:cNvPr id="234" name="CustomShape 22"/>
           <p:cNvSpPr/>
           <p:nvPr/>
         </p:nvSpPr>
@@ -10371,7 +10346,7 @@
       </p:sp>
       <p:sp>
         <p:nvSpPr>
-          <p:cNvPr id="236" name="CustomShape 23"/>
+          <p:cNvPr id="235" name="CustomShape 23"/>
           <p:cNvSpPr/>
           <p:nvPr/>
         </p:nvSpPr>
@@ -10395,7 +10370,7 @@
       </p:sp>
       <p:sp>
         <p:nvSpPr>
-          <p:cNvPr id="237" name="CustomShape 24"/>
+          <p:cNvPr id="236" name="CustomShape 24"/>
           <p:cNvSpPr/>
           <p:nvPr/>
         </p:nvSpPr>
@@ -10419,7 +10394,7 @@
       </p:sp>
       <p:sp>
         <p:nvSpPr>
-          <p:cNvPr id="238" name="CustomShape 25"/>
+          <p:cNvPr id="237" name="CustomShape 25"/>
           <p:cNvSpPr/>
           <p:nvPr/>
         </p:nvSpPr>
@@ -10464,7 +10439,7 @@
       </p:sp>
       <p:sp>
         <p:nvSpPr>
-          <p:cNvPr id="239" name="CustomShape 26"/>
+          <p:cNvPr id="238" name="CustomShape 26"/>
           <p:cNvSpPr/>
           <p:nvPr/>
         </p:nvSpPr>
@@ -10489,7 +10464,7 @@
       </p:sp>
       <p:sp>
         <p:nvSpPr>
-          <p:cNvPr id="240" name="CustomShape 27"/>
+          <p:cNvPr id="239" name="CustomShape 27"/>
           <p:cNvSpPr/>
           <p:nvPr/>
         </p:nvSpPr>
@@ -10514,7 +10489,7 @@
       </p:sp>
       <p:sp>
         <p:nvSpPr>
-          <p:cNvPr id="241" name="CustomShape 28"/>
+          <p:cNvPr id="240" name="CustomShape 28"/>
           <p:cNvSpPr/>
           <p:nvPr/>
         </p:nvSpPr>
@@ -10539,7 +10514,7 @@
       </p:sp>
       <p:sp>
         <p:nvSpPr>
-          <p:cNvPr id="242" name="CustomShape 29"/>
+          <p:cNvPr id="241" name="CustomShape 29"/>
           <p:cNvSpPr/>
           <p:nvPr/>
         </p:nvSpPr>
@@ -10564,7 +10539,7 @@
       </p:sp>
       <p:sp>
         <p:nvSpPr>
-          <p:cNvPr id="243" name="CustomShape 30"/>
+          <p:cNvPr id="242" name="CustomShape 30"/>
           <p:cNvSpPr/>
           <p:nvPr/>
         </p:nvSpPr>
@@ -10589,7 +10564,7 @@
       </p:sp>
       <p:sp>
         <p:nvSpPr>
-          <p:cNvPr id="244" name="CustomShape 31"/>
+          <p:cNvPr id="243" name="CustomShape 31"/>
           <p:cNvSpPr/>
           <p:nvPr/>
         </p:nvSpPr>
@@ -10614,7 +10589,7 @@
       </p:sp>
       <p:sp>
         <p:nvSpPr>
-          <p:cNvPr id="245" name="CustomShape 32"/>
+          <p:cNvPr id="244" name="CustomShape 32"/>
           <p:cNvSpPr/>
           <p:nvPr/>
         </p:nvSpPr>
@@ -10660,7 +10635,7 @@
       </p:sp>
       <p:sp>
         <p:nvSpPr>
-          <p:cNvPr id="246" name="CustomShape 33"/>
+          <p:cNvPr id="245" name="CustomShape 33"/>
           <p:cNvSpPr/>
           <p:nvPr/>
         </p:nvSpPr>
@@ -10706,7 +10681,7 @@
       </p:sp>
       <p:sp>
         <p:nvSpPr>
-          <p:cNvPr id="247" name="CustomShape 34"/>
+          <p:cNvPr id="246" name="CustomShape 34"/>
           <p:cNvSpPr/>
           <p:nvPr/>
         </p:nvSpPr>
@@ -10752,7 +10727,7 @@
       </p:sp>
       <p:sp>
         <p:nvSpPr>
-          <p:cNvPr id="248" name="CustomShape 35"/>
+          <p:cNvPr id="247" name="CustomShape 35"/>
           <p:cNvSpPr/>
           <p:nvPr/>
         </p:nvSpPr>
@@ -10776,7 +10751,7 @@
       </p:sp>
       <p:sp>
         <p:nvSpPr>
-          <p:cNvPr id="249" name="CustomShape 36"/>
+          <p:cNvPr id="248" name="CustomShape 36"/>
           <p:cNvSpPr/>
           <p:nvPr/>
         </p:nvSpPr>
@@ -10800,7 +10775,7 @@
       </p:sp>
       <p:sp>
         <p:nvSpPr>
-          <p:cNvPr id="250" name="CustomShape 37"/>
+          <p:cNvPr id="249" name="CustomShape 37"/>
           <p:cNvSpPr/>
           <p:nvPr/>
         </p:nvSpPr>
@@ -10824,7 +10799,7 @@
       </p:sp>
       <p:sp>
         <p:nvSpPr>
-          <p:cNvPr id="251" name="CustomShape 38"/>
+          <p:cNvPr id="250" name="CustomShape 38"/>
           <p:cNvSpPr/>
           <p:nvPr/>
         </p:nvSpPr>
@@ -10848,7 +10823,7 @@
       </p:sp>
       <p:sp>
         <p:nvSpPr>
-          <p:cNvPr id="252" name="CustomShape 39"/>
+          <p:cNvPr id="251" name="CustomShape 39"/>
           <p:cNvSpPr/>
           <p:nvPr/>
         </p:nvSpPr>
@@ -10872,7 +10847,7 @@
       </p:sp>
       <p:sp>
         <p:nvSpPr>
-          <p:cNvPr id="253" name="CustomShape 40"/>
+          <p:cNvPr id="252" name="CustomShape 40"/>
           <p:cNvSpPr/>
           <p:nvPr/>
         </p:nvSpPr>
@@ -10896,7 +10871,7 @@
       </p:sp>
       <p:sp>
         <p:nvSpPr>
-          <p:cNvPr id="254" name="CustomShape 41"/>
+          <p:cNvPr id="253" name="CustomShape 41"/>
           <p:cNvSpPr/>
           <p:nvPr/>
         </p:nvSpPr>
@@ -10920,7 +10895,7 @@
       </p:sp>
       <p:sp>
         <p:nvSpPr>
-          <p:cNvPr id="255" name="CustomShape 42"/>
+          <p:cNvPr id="254" name="CustomShape 42"/>
           <p:cNvSpPr/>
           <p:nvPr/>
         </p:nvSpPr>
@@ -10966,7 +10941,7 @@
       </p:sp>
       <p:sp>
         <p:nvSpPr>
-          <p:cNvPr id="256" name="CustomShape 43"/>
+          <p:cNvPr id="255" name="CustomShape 43"/>
           <p:cNvSpPr/>
           <p:nvPr/>
         </p:nvSpPr>
@@ -11012,7 +10987,7 @@
       </p:sp>
       <p:sp>
         <p:nvSpPr>
-          <p:cNvPr id="257" name="CustomShape 44"/>
+          <p:cNvPr id="256" name="CustomShape 44"/>
           <p:cNvSpPr/>
           <p:nvPr/>
         </p:nvSpPr>
@@ -11036,7 +11011,7 @@
       </p:sp>
       <p:sp>
         <p:nvSpPr>
-          <p:cNvPr id="258" name="CustomShape 45"/>
+          <p:cNvPr id="257" name="CustomShape 45"/>
           <p:cNvSpPr/>
           <p:nvPr/>
         </p:nvSpPr>
@@ -11060,7 +11035,7 @@
       </p:sp>
       <p:sp>
         <p:nvSpPr>
-          <p:cNvPr id="259" name="CustomShape 46"/>
+          <p:cNvPr id="258" name="CustomShape 46"/>
           <p:cNvSpPr/>
           <p:nvPr/>
         </p:nvSpPr>
@@ -11084,7 +11059,7 @@
       </p:sp>
       <p:sp>
         <p:nvSpPr>
-          <p:cNvPr id="260" name="CustomShape 47"/>
+          <p:cNvPr id="259" name="CustomShape 47"/>
           <p:cNvSpPr/>
           <p:nvPr/>
         </p:nvSpPr>
@@ -11108,7 +11083,7 @@
       </p:sp>
       <p:sp>
         <p:nvSpPr>
-          <p:cNvPr id="261" name="CustomShape 48"/>
+          <p:cNvPr id="260" name="CustomShape 48"/>
           <p:cNvSpPr/>
           <p:nvPr/>
         </p:nvSpPr>
@@ -11132,7 +11107,7 @@
       </p:sp>
       <p:sp>
         <p:nvSpPr>
-          <p:cNvPr id="262" name="CustomShape 49"/>
+          <p:cNvPr id="261" name="CustomShape 49"/>
           <p:cNvSpPr/>
           <p:nvPr/>
         </p:nvSpPr>
@@ -11172,7 +11147,7 @@
       </p:sp>
       <p:sp>
         <p:nvSpPr>
-          <p:cNvPr id="263" name="CustomShape 50"/>
+          <p:cNvPr id="262" name="CustomShape 50"/>
           <p:cNvSpPr/>
           <p:nvPr/>
         </p:nvSpPr>
@@ -11212,7 +11187,7 @@
       </p:sp>
       <p:sp>
         <p:nvSpPr>
-          <p:cNvPr id="264" name="CustomShape 51"/>
+          <p:cNvPr id="263" name="CustomShape 51"/>
           <p:cNvSpPr/>
           <p:nvPr/>
         </p:nvSpPr>
@@ -11309,7 +11284,7 @@
       </p:grpSpPr>
       <p:sp>
         <p:nvSpPr>
-          <p:cNvPr id="265" name="TextShape 1"/>
+          <p:cNvPr id="264" name="TextShape 1"/>
           <p:cNvSpPr txBox="1"/>
           <p:nvPr/>
         </p:nvSpPr>
@@ -11345,7 +11320,7 @@
       </p:sp>
       <p:sp>
         <p:nvSpPr>
-          <p:cNvPr id="266" name="TextShape 2"/>
+          <p:cNvPr id="265" name="TextShape 2"/>
           <p:cNvSpPr txBox="1"/>
           <p:nvPr/>
         </p:nvSpPr>
@@ -11366,7 +11341,7 @@
                 <a:spcPct val="100000"/>
               </a:lnSpc>
             </a:pPr>
-            <a:fld id="{4EC806CF-848A-4978-B67C-EAB2514C54EB}" type="slidenum">
+            <a:fld id="{123D7170-948F-48FB-B6C7-3F9C5B7359B0}" type="slidenum">
               <a:rPr lang="en-US" sz="1200">
                 <a:solidFill>
                   <a:srgbClr val="8b8b8b"/>
@@ -11381,7 +11356,7 @@
       </p:sp>
       <p:sp>
         <p:nvSpPr>
-          <p:cNvPr id="267" name="CustomShape 3"/>
+          <p:cNvPr id="266" name="CustomShape 3"/>
           <p:cNvSpPr/>
           <p:nvPr/>
         </p:nvSpPr>
@@ -11426,7 +11401,7 @@
       </p:sp>
       <p:sp>
         <p:nvSpPr>
-          <p:cNvPr id="268" name="CustomShape 4"/>
+          <p:cNvPr id="267" name="CustomShape 4"/>
           <p:cNvSpPr/>
           <p:nvPr/>
         </p:nvSpPr>
@@ -11471,7 +11446,7 @@
       </p:sp>
       <p:sp>
         <p:nvSpPr>
-          <p:cNvPr id="269" name="CustomShape 5"/>
+          <p:cNvPr id="268" name="CustomShape 5"/>
           <p:cNvSpPr/>
           <p:nvPr/>
         </p:nvSpPr>
@@ -11516,7 +11491,7 @@
       </p:sp>
       <p:sp>
         <p:nvSpPr>
-          <p:cNvPr id="270" name="CustomShape 6"/>
+          <p:cNvPr id="269" name="CustomShape 6"/>
           <p:cNvSpPr/>
           <p:nvPr/>
         </p:nvSpPr>
@@ -11540,7 +11515,7 @@
       </p:sp>
       <p:sp>
         <p:nvSpPr>
-          <p:cNvPr id="271" name="CustomShape 7"/>
+          <p:cNvPr id="270" name="CustomShape 7"/>
           <p:cNvSpPr/>
           <p:nvPr/>
         </p:nvSpPr>
@@ -11564,7 +11539,7 @@
       </p:sp>
       <p:sp>
         <p:nvSpPr>
-          <p:cNvPr id="272" name="CustomShape 8"/>
+          <p:cNvPr id="271" name="CustomShape 8"/>
           <p:cNvSpPr/>
           <p:nvPr/>
         </p:nvSpPr>
@@ -11609,7 +11584,7 @@
       </p:sp>
       <p:sp>
         <p:nvSpPr>
-          <p:cNvPr id="273" name="CustomShape 9"/>
+          <p:cNvPr id="272" name="CustomShape 9"/>
           <p:cNvSpPr/>
           <p:nvPr/>
         </p:nvSpPr>
@@ -11633,7 +11608,7 @@
       </p:sp>
       <p:sp>
         <p:nvSpPr>
-          <p:cNvPr id="274" name="CustomShape 10"/>
+          <p:cNvPr id="273" name="CustomShape 10"/>
           <p:cNvSpPr/>
           <p:nvPr/>
         </p:nvSpPr>
@@ -11678,7 +11653,7 @@
       </p:sp>
       <p:sp>
         <p:nvSpPr>
-          <p:cNvPr id="275" name="CustomShape 11"/>
+          <p:cNvPr id="274" name="CustomShape 11"/>
           <p:cNvSpPr/>
           <p:nvPr/>
         </p:nvSpPr>
@@ -11702,7 +11677,7 @@
       </p:sp>
       <p:sp>
         <p:nvSpPr>
-          <p:cNvPr id="276" name="CustomShape 12"/>
+          <p:cNvPr id="275" name="CustomShape 12"/>
           <p:cNvSpPr/>
           <p:nvPr/>
         </p:nvSpPr>
@@ -11747,7 +11722,7 @@
       </p:sp>
       <p:sp>
         <p:nvSpPr>
-          <p:cNvPr id="277" name="CustomShape 13"/>
+          <p:cNvPr id="276" name="CustomShape 13"/>
           <p:cNvSpPr/>
           <p:nvPr/>
         </p:nvSpPr>
@@ -11792,7 +11767,7 @@
       </p:sp>
       <p:sp>
         <p:nvSpPr>
-          <p:cNvPr id="278" name="CustomShape 14"/>
+          <p:cNvPr id="277" name="CustomShape 14"/>
           <p:cNvSpPr/>
           <p:nvPr/>
         </p:nvSpPr>
@@ -11837,7 +11812,7 @@
       </p:sp>
       <p:sp>
         <p:nvSpPr>
-          <p:cNvPr id="279" name="CustomShape 15"/>
+          <p:cNvPr id="278" name="CustomShape 15"/>
           <p:cNvSpPr/>
           <p:nvPr/>
         </p:nvSpPr>
@@ -11861,7 +11836,7 @@
       </p:sp>
       <p:sp>
         <p:nvSpPr>
-          <p:cNvPr id="280" name="CustomShape 16"/>
+          <p:cNvPr id="279" name="CustomShape 16"/>
           <p:cNvSpPr/>
           <p:nvPr/>
         </p:nvSpPr>
@@ -11885,7 +11860,7 @@
       </p:sp>
       <p:sp>
         <p:nvSpPr>
-          <p:cNvPr id="281" name="CustomShape 17"/>
+          <p:cNvPr id="280" name="CustomShape 17"/>
           <p:cNvSpPr/>
           <p:nvPr/>
         </p:nvSpPr>
@@ -11909,7 +11884,7 @@
       </p:sp>
       <p:sp>
         <p:nvSpPr>
-          <p:cNvPr id="282" name="CustomShape 18"/>
+          <p:cNvPr id="281" name="CustomShape 18"/>
           <p:cNvSpPr/>
           <p:nvPr/>
         </p:nvSpPr>
@@ -11933,7 +11908,7 @@
       </p:sp>
       <p:sp>
         <p:nvSpPr>
-          <p:cNvPr id="283" name="CustomShape 19"/>
+          <p:cNvPr id="282" name="CustomShape 19"/>
           <p:cNvSpPr/>
           <p:nvPr/>
         </p:nvSpPr>
@@ -11973,7 +11948,7 @@
       </p:sp>
       <p:sp>
         <p:nvSpPr>
-          <p:cNvPr id="284" name="CustomShape 20"/>
+          <p:cNvPr id="283" name="CustomShape 20"/>
           <p:cNvSpPr/>
           <p:nvPr/>
         </p:nvSpPr>
@@ -12030,7 +12005,7 @@
       </p:sp>
       <p:sp>
         <p:nvSpPr>
-          <p:cNvPr id="285" name="CustomShape 21"/>
+          <p:cNvPr id="284" name="CustomShape 21"/>
           <p:cNvSpPr/>
           <p:nvPr/>
         </p:nvSpPr>
@@ -12075,7 +12050,7 @@
       </p:sp>
       <p:sp>
         <p:nvSpPr>
-          <p:cNvPr id="286" name="CustomShape 22"/>
+          <p:cNvPr id="285" name="CustomShape 22"/>
           <p:cNvSpPr/>
           <p:nvPr/>
         </p:nvSpPr>
@@ -12120,7 +12095,7 @@
       </p:sp>
       <p:sp>
         <p:nvSpPr>
-          <p:cNvPr id="287" name="CustomShape 23"/>
+          <p:cNvPr id="286" name="CustomShape 23"/>
           <p:cNvSpPr/>
           <p:nvPr/>
         </p:nvSpPr>
@@ -12165,7 +12140,7 @@
       </p:sp>
       <p:sp>
         <p:nvSpPr>
-          <p:cNvPr id="288" name="CustomShape 24"/>
+          <p:cNvPr id="287" name="CustomShape 24"/>
           <p:cNvSpPr/>
           <p:nvPr/>
         </p:nvSpPr>
@@ -12189,7 +12164,7 @@
       </p:sp>
       <p:sp>
         <p:nvSpPr>
-          <p:cNvPr id="289" name="CustomShape 25"/>
+          <p:cNvPr id="288" name="CustomShape 25"/>
           <p:cNvSpPr/>
           <p:nvPr/>
         </p:nvSpPr>
@@ -12213,7 +12188,7 @@
       </p:sp>
       <p:sp>
         <p:nvSpPr>
-          <p:cNvPr id="290" name="CustomShape 26"/>
+          <p:cNvPr id="289" name="CustomShape 26"/>
           <p:cNvSpPr/>
           <p:nvPr/>
         </p:nvSpPr>
@@ -12258,7 +12233,7 @@
       </p:sp>
       <p:sp>
         <p:nvSpPr>
-          <p:cNvPr id="291" name="CustomShape 27"/>
+          <p:cNvPr id="290" name="CustomShape 27"/>
           <p:cNvSpPr/>
           <p:nvPr/>
         </p:nvSpPr>
@@ -12282,7 +12257,7 @@
       </p:sp>
       <p:sp>
         <p:nvSpPr>
-          <p:cNvPr id="292" name="CustomShape 28"/>
+          <p:cNvPr id="291" name="CustomShape 28"/>
           <p:cNvSpPr/>
           <p:nvPr/>
         </p:nvSpPr>
@@ -12327,7 +12302,7 @@
       </p:sp>
       <p:sp>
         <p:nvSpPr>
-          <p:cNvPr id="293" name="CustomShape 29"/>
+          <p:cNvPr id="292" name="CustomShape 29"/>
           <p:cNvSpPr/>
           <p:nvPr/>
         </p:nvSpPr>
@@ -12351,7 +12326,7 @@
       </p:sp>
       <p:sp>
         <p:nvSpPr>
-          <p:cNvPr id="294" name="CustomShape 30"/>
+          <p:cNvPr id="293" name="CustomShape 30"/>
           <p:cNvSpPr/>
           <p:nvPr/>
         </p:nvSpPr>
@@ -12396,7 +12371,7 @@
       </p:sp>
       <p:sp>
         <p:nvSpPr>
-          <p:cNvPr id="295" name="CustomShape 31"/>
+          <p:cNvPr id="294" name="CustomShape 31"/>
           <p:cNvSpPr/>
           <p:nvPr/>
         </p:nvSpPr>
@@ -12420,7 +12395,7 @@
       </p:sp>
       <p:sp>
         <p:nvSpPr>
-          <p:cNvPr id="296" name="CustomShape 32"/>
+          <p:cNvPr id="295" name="CustomShape 32"/>
           <p:cNvSpPr/>
           <p:nvPr/>
         </p:nvSpPr>
@@ -12465,7 +12440,7 @@
       </p:sp>
       <p:sp>
         <p:nvSpPr>
-          <p:cNvPr id="297" name="CustomShape 33"/>
+          <p:cNvPr id="296" name="CustomShape 33"/>
           <p:cNvSpPr/>
           <p:nvPr/>
         </p:nvSpPr>
@@ -12510,7 +12485,7 @@
       </p:sp>
       <p:sp>
         <p:nvSpPr>
-          <p:cNvPr id="298" name="CustomShape 34"/>
+          <p:cNvPr id="297" name="CustomShape 34"/>
           <p:cNvSpPr/>
           <p:nvPr/>
         </p:nvSpPr>
@@ -12534,7 +12509,7 @@
       </p:sp>
       <p:sp>
         <p:nvSpPr>
-          <p:cNvPr id="299" name="CustomShape 35"/>
+          <p:cNvPr id="298" name="CustomShape 35"/>
           <p:cNvSpPr/>
           <p:nvPr/>
         </p:nvSpPr>
@@ -12558,7 +12533,7 @@
       </p:sp>
       <p:sp>
         <p:nvSpPr>
-          <p:cNvPr id="300" name="CustomShape 36"/>
+          <p:cNvPr id="299" name="CustomShape 36"/>
           <p:cNvSpPr/>
           <p:nvPr/>
         </p:nvSpPr>
@@ -12603,7 +12578,7 @@
       </p:sp>
       <p:sp>
         <p:nvSpPr>
-          <p:cNvPr id="301" name="CustomShape 37"/>
+          <p:cNvPr id="300" name="CustomShape 37"/>
           <p:cNvSpPr/>
           <p:nvPr/>
         </p:nvSpPr>
@@ -12648,7 +12623,7 @@
       </p:sp>
       <p:sp>
         <p:nvSpPr>
-          <p:cNvPr id="302" name="CustomShape 38"/>
+          <p:cNvPr id="301" name="CustomShape 38"/>
           <p:cNvSpPr/>
           <p:nvPr/>
         </p:nvSpPr>
@@ -12693,7 +12668,7 @@
       </p:sp>
       <p:sp>
         <p:nvSpPr>
-          <p:cNvPr id="303" name="CustomShape 39"/>
+          <p:cNvPr id="302" name="CustomShape 39"/>
           <p:cNvSpPr/>
           <p:nvPr/>
         </p:nvSpPr>
@@ -12717,7 +12692,7 @@
       </p:sp>
       <p:sp>
         <p:nvSpPr>
-          <p:cNvPr id="304" name="CustomShape 40"/>
+          <p:cNvPr id="303" name="CustomShape 40"/>
           <p:cNvSpPr/>
           <p:nvPr/>
         </p:nvSpPr>
@@ -12741,7 +12716,7 @@
       </p:sp>
       <p:sp>
         <p:nvSpPr>
-          <p:cNvPr id="305" name="CustomShape 41"/>
+          <p:cNvPr id="304" name="CustomShape 41"/>
           <p:cNvSpPr/>
           <p:nvPr/>
         </p:nvSpPr>
@@ -12786,7 +12761,7 @@
       </p:sp>
       <p:sp>
         <p:nvSpPr>
-          <p:cNvPr id="306" name="CustomShape 42"/>
+          <p:cNvPr id="305" name="CustomShape 42"/>
           <p:cNvSpPr/>
           <p:nvPr/>
         </p:nvSpPr>
@@ -12831,7 +12806,7 @@
       </p:sp>
       <p:sp>
         <p:nvSpPr>
-          <p:cNvPr id="307" name="CustomShape 43"/>
+          <p:cNvPr id="306" name="CustomShape 43"/>
           <p:cNvSpPr/>
           <p:nvPr/>
         </p:nvSpPr>
@@ -12855,7 +12830,7 @@
       </p:sp>
       <p:sp>
         <p:nvSpPr>
-          <p:cNvPr id="308" name="CustomShape 44"/>
+          <p:cNvPr id="307" name="CustomShape 44"/>
           <p:cNvSpPr/>
           <p:nvPr/>
         </p:nvSpPr>
@@ -12879,7 +12854,7 @@
       </p:sp>
       <p:sp>
         <p:nvSpPr>
-          <p:cNvPr id="309" name="CustomShape 45"/>
+          <p:cNvPr id="308" name="CustomShape 45"/>
           <p:cNvSpPr/>
           <p:nvPr/>
         </p:nvSpPr>
@@ -12903,7 +12878,7 @@
       </p:sp>
       <p:sp>
         <p:nvSpPr>
-          <p:cNvPr id="310" name="CustomShape 46"/>
+          <p:cNvPr id="309" name="CustomShape 46"/>
           <p:cNvSpPr/>
           <p:nvPr/>
         </p:nvSpPr>
@@ -12960,7 +12935,7 @@
       </p:sp>
       <p:sp>
         <p:nvSpPr>
-          <p:cNvPr id="311" name="CustomShape 47"/>
+          <p:cNvPr id="310" name="CustomShape 47"/>
           <p:cNvSpPr/>
           <p:nvPr/>
         </p:nvSpPr>
@@ -13066,7 +13041,7 @@
       </p:grpSpPr>
       <p:sp>
         <p:nvSpPr>
-          <p:cNvPr id="312" name="TextShape 1"/>
+          <p:cNvPr id="311" name="TextShape 1"/>
           <p:cNvSpPr txBox="1"/>
           <p:nvPr/>
         </p:nvSpPr>
@@ -13102,7 +13077,7 @@
       </p:sp>
       <p:sp>
         <p:nvSpPr>
-          <p:cNvPr id="313" name="TextShape 2"/>
+          <p:cNvPr id="312" name="TextShape 2"/>
           <p:cNvSpPr txBox="1"/>
           <p:nvPr/>
         </p:nvSpPr>
@@ -13123,7 +13098,7 @@
                 <a:spcPct val="100000"/>
               </a:lnSpc>
             </a:pPr>
-            <a:fld id="{3CEC3327-3BDC-4B8D-8A07-23BDC1ED6983}" type="slidenum">
+            <a:fld id="{A1C37D65-0E3B-4874-94E7-F2BFCAD43F7D}" type="slidenum">
               <a:rPr lang="en-US" sz="1200">
                 <a:solidFill>
                   <a:srgbClr val="8b8b8b"/>
@@ -13138,7 +13113,7 @@
       </p:sp>
       <p:sp>
         <p:nvSpPr>
-          <p:cNvPr id="314" name="CustomShape 3"/>
+          <p:cNvPr id="313" name="CustomShape 3"/>
           <p:cNvSpPr/>
           <p:nvPr/>
         </p:nvSpPr>
@@ -13186,7 +13161,7 @@
       </p:sp>
       <p:sp>
         <p:nvSpPr>
-          <p:cNvPr id="315" name="CustomShape 4"/>
+          <p:cNvPr id="314" name="CustomShape 4"/>
           <p:cNvSpPr/>
           <p:nvPr/>
         </p:nvSpPr>
@@ -13234,7 +13209,7 @@
       </p:sp>
       <p:sp>
         <p:nvSpPr>
-          <p:cNvPr id="316" name="TextShape 5"/>
+          <p:cNvPr id="315" name="TextShape 5"/>
           <p:cNvSpPr txBox="1"/>
           <p:nvPr/>
         </p:nvSpPr>
@@ -13262,7 +13237,7 @@
       </p:sp>
       <p:sp>
         <p:nvSpPr>
-          <p:cNvPr id="317" name="TextShape 6"/>
+          <p:cNvPr id="316" name="TextShape 6"/>
           <p:cNvSpPr txBox="1"/>
           <p:nvPr/>
         </p:nvSpPr>
@@ -13309,7 +13284,7 @@
       </p:sp>
       <p:sp>
         <p:nvSpPr>
-          <p:cNvPr id="318" name="TextShape 7"/>
+          <p:cNvPr id="317" name="TextShape 7"/>
           <p:cNvSpPr txBox="1"/>
           <p:nvPr/>
         </p:nvSpPr>
@@ -13337,7 +13312,7 @@
       </p:sp>
       <p:sp>
         <p:nvSpPr>
-          <p:cNvPr id="319" name="TextShape 8"/>
+          <p:cNvPr id="318" name="TextShape 8"/>
           <p:cNvSpPr txBox="1"/>
           <p:nvPr/>
         </p:nvSpPr>
@@ -13433,7 +13408,7 @@
       </p:grpSpPr>
       <p:sp>
         <p:nvSpPr>
-          <p:cNvPr id="320" name="TextShape 1"/>
+          <p:cNvPr id="319" name="TextShape 1"/>
           <p:cNvSpPr txBox="1"/>
           <p:nvPr/>
         </p:nvSpPr>
@@ -13469,7 +13444,7 @@
       </p:sp>
       <p:sp>
         <p:nvSpPr>
-          <p:cNvPr id="321" name="TextShape 2"/>
+          <p:cNvPr id="320" name="TextShape 2"/>
           <p:cNvSpPr txBox="1"/>
           <p:nvPr/>
         </p:nvSpPr>
@@ -13490,7 +13465,7 @@
                 <a:spcPct val="100000"/>
               </a:lnSpc>
             </a:pPr>
-            <a:fld id="{05D5AA69-1E01-4960-80B9-0323FAD84082}" type="slidenum">
+            <a:fld id="{937520BC-6C0C-405D-B211-18E343FE393C}" type="slidenum">
               <a:rPr lang="en-US" sz="1200">
                 <a:solidFill>
                   <a:srgbClr val="8b8b8b"/>
@@ -13505,7 +13480,7 @@
       </p:sp>
       <p:sp>
         <p:nvSpPr>
-          <p:cNvPr id="322" name="CustomShape 3"/>
+          <p:cNvPr id="321" name="CustomShape 3"/>
           <p:cNvSpPr/>
           <p:nvPr/>
         </p:nvSpPr>
@@ -13553,7 +13528,7 @@
       </p:sp>
       <p:sp>
         <p:nvSpPr>
-          <p:cNvPr id="323" name="CustomShape 4"/>
+          <p:cNvPr id="322" name="CustomShape 4"/>
           <p:cNvSpPr/>
           <p:nvPr/>
         </p:nvSpPr>
@@ -13598,7 +13573,7 @@
       </p:sp>
       <p:sp>
         <p:nvSpPr>
-          <p:cNvPr id="324" name="CustomShape 5"/>
+          <p:cNvPr id="323" name="CustomShape 5"/>
           <p:cNvSpPr/>
           <p:nvPr/>
         </p:nvSpPr>
@@ -13643,7 +13618,7 @@
       </p:sp>
       <p:sp>
         <p:nvSpPr>
-          <p:cNvPr id="325" name="CustomShape 6"/>
+          <p:cNvPr id="324" name="CustomShape 6"/>
           <p:cNvSpPr/>
           <p:nvPr/>
         </p:nvSpPr>
@@ -13688,7 +13663,7 @@
       </p:sp>
       <p:sp>
         <p:nvSpPr>
-          <p:cNvPr id="326" name="CustomShape 7"/>
+          <p:cNvPr id="325" name="CustomShape 7"/>
           <p:cNvSpPr/>
           <p:nvPr/>
         </p:nvSpPr>
@@ -13712,7 +13687,7 @@
       </p:sp>
       <p:sp>
         <p:nvSpPr>
-          <p:cNvPr id="327" name="CustomShape 8"/>
+          <p:cNvPr id="326" name="CustomShape 8"/>
           <p:cNvSpPr/>
           <p:nvPr/>
         </p:nvSpPr>
@@ -13736,7 +13711,7 @@
       </p:sp>
       <p:sp>
         <p:nvSpPr>
-          <p:cNvPr id="328" name="CustomShape 9"/>
+          <p:cNvPr id="327" name="CustomShape 9"/>
           <p:cNvSpPr/>
           <p:nvPr/>
         </p:nvSpPr>
@@ -13760,7 +13735,7 @@
       </p:sp>
       <p:sp>
         <p:nvSpPr>
-          <p:cNvPr id="329" name="CustomShape 10"/>
+          <p:cNvPr id="328" name="CustomShape 10"/>
           <p:cNvSpPr/>
           <p:nvPr/>
         </p:nvSpPr>
@@ -13805,7 +13780,7 @@
       </p:sp>
       <p:sp>
         <p:nvSpPr>
-          <p:cNvPr id="330" name="CustomShape 11"/>
+          <p:cNvPr id="329" name="CustomShape 11"/>
           <p:cNvSpPr/>
           <p:nvPr/>
         </p:nvSpPr>
@@ -13850,7 +13825,7 @@
       </p:sp>
       <p:sp>
         <p:nvSpPr>
-          <p:cNvPr id="331" name="CustomShape 12"/>
+          <p:cNvPr id="330" name="CustomShape 12"/>
           <p:cNvSpPr/>
           <p:nvPr/>
         </p:nvSpPr>
@@ -13895,7 +13870,7 @@
       </p:sp>
       <p:sp>
         <p:nvSpPr>
-          <p:cNvPr id="332" name="CustomShape 13"/>
+          <p:cNvPr id="331" name="CustomShape 13"/>
           <p:cNvSpPr/>
           <p:nvPr/>
         </p:nvSpPr>
@@ -13919,7 +13894,7 @@
       </p:sp>
       <p:sp>
         <p:nvSpPr>
-          <p:cNvPr id="333" name="CustomShape 14"/>
+          <p:cNvPr id="332" name="CustomShape 14"/>
           <p:cNvSpPr/>
           <p:nvPr/>
         </p:nvSpPr>
@@ -13943,7 +13918,7 @@
       </p:sp>
       <p:sp>
         <p:nvSpPr>
-          <p:cNvPr id="334" name="CustomShape 15"/>
+          <p:cNvPr id="333" name="CustomShape 15"/>
           <p:cNvSpPr/>
           <p:nvPr/>
         </p:nvSpPr>
@@ -13967,7 +13942,7 @@
       </p:sp>
       <p:sp>
         <p:nvSpPr>
-          <p:cNvPr id="335" name="CustomShape 16"/>
+          <p:cNvPr id="334" name="CustomShape 16"/>
           <p:cNvSpPr/>
           <p:nvPr/>
         </p:nvSpPr>
@@ -14012,7 +13987,7 @@
       </p:sp>
       <p:sp>
         <p:nvSpPr>
-          <p:cNvPr id="336" name="CustomShape 17"/>
+          <p:cNvPr id="335" name="CustomShape 17"/>
           <p:cNvSpPr/>
           <p:nvPr/>
         </p:nvSpPr>
@@ -14057,7 +14032,7 @@
       </p:sp>
       <p:sp>
         <p:nvSpPr>
-          <p:cNvPr id="337" name="CustomShape 18"/>
+          <p:cNvPr id="336" name="CustomShape 18"/>
           <p:cNvSpPr/>
           <p:nvPr/>
         </p:nvSpPr>
@@ -14102,7 +14077,7 @@
       </p:sp>
       <p:sp>
         <p:nvSpPr>
-          <p:cNvPr id="338" name="CustomShape 19"/>
+          <p:cNvPr id="337" name="CustomShape 19"/>
           <p:cNvSpPr/>
           <p:nvPr/>
         </p:nvSpPr>
@@ -14147,7 +14122,7 @@
       </p:sp>
       <p:sp>
         <p:nvSpPr>
-          <p:cNvPr id="339" name="CustomShape 20"/>
+          <p:cNvPr id="338" name="CustomShape 20"/>
           <p:cNvSpPr/>
           <p:nvPr/>
         </p:nvSpPr>
@@ -14171,7 +14146,7 @@
       </p:sp>
       <p:sp>
         <p:nvSpPr>
-          <p:cNvPr id="340" name="CustomShape 21"/>
+          <p:cNvPr id="339" name="CustomShape 21"/>
           <p:cNvSpPr/>
           <p:nvPr/>
         </p:nvSpPr>
@@ -14195,7 +14170,7 @@
       </p:sp>
       <p:sp>
         <p:nvSpPr>
-          <p:cNvPr id="341" name="CustomShape 22"/>
+          <p:cNvPr id="340" name="CustomShape 22"/>
           <p:cNvSpPr/>
           <p:nvPr/>
         </p:nvSpPr>
@@ -14243,7 +14218,7 @@
       </p:sp>
       <p:sp>
         <p:nvSpPr>
-          <p:cNvPr id="342" name="CustomShape 23"/>
+          <p:cNvPr id="341" name="CustomShape 23"/>
           <p:cNvSpPr/>
           <p:nvPr/>
         </p:nvSpPr>
@@ -14271,7 +14246,7 @@
       </p:sp>
       <p:sp>
         <p:nvSpPr>
-          <p:cNvPr id="343" name="CustomShape 24"/>
+          <p:cNvPr id="342" name="CustomShape 24"/>
           <p:cNvSpPr/>
           <p:nvPr/>
         </p:nvSpPr>
@@ -14299,7 +14274,7 @@
       </p:sp>
       <p:sp>
         <p:nvSpPr>
-          <p:cNvPr id="344" name="CustomShape 25"/>
+          <p:cNvPr id="343" name="CustomShape 25"/>
           <p:cNvSpPr/>
           <p:nvPr/>
         </p:nvSpPr>
@@ -14327,7 +14302,7 @@
       </p:sp>
       <p:sp>
         <p:nvSpPr>
-          <p:cNvPr id="345" name="CustomShape 26"/>
+          <p:cNvPr id="344" name="CustomShape 26"/>
           <p:cNvSpPr/>
           <p:nvPr/>
         </p:nvSpPr>
@@ -14354,7 +14329,7 @@
       </p:sp>
       <p:sp>
         <p:nvSpPr>
-          <p:cNvPr id="346" name="CustomShape 27"/>
+          <p:cNvPr id="345" name="CustomShape 27"/>
           <p:cNvSpPr/>
           <p:nvPr/>
         </p:nvSpPr>
@@ -14550,7 +14525,7 @@
       </p:sp>
       <p:sp>
         <p:nvSpPr>
-          <p:cNvPr id="347" name="CustomShape 28"/>
+          <p:cNvPr id="346" name="CustomShape 28"/>
           <p:cNvSpPr/>
           <p:nvPr/>
         </p:nvSpPr>
@@ -14908,7 +14883,7 @@
       </p:grpSpPr>
       <p:sp>
         <p:nvSpPr>
-          <p:cNvPr id="348" name="TextShape 1"/>
+          <p:cNvPr id="347" name="TextShape 1"/>
           <p:cNvSpPr txBox="1"/>
           <p:nvPr/>
         </p:nvSpPr>
@@ -14944,7 +14919,7 @@
       </p:sp>
       <p:sp>
         <p:nvSpPr>
-          <p:cNvPr id="349" name="TextShape 2"/>
+          <p:cNvPr id="348" name="TextShape 2"/>
           <p:cNvSpPr txBox="1"/>
           <p:nvPr/>
         </p:nvSpPr>
@@ -14982,7 +14957,7 @@
       </p:sp>
       <p:sp>
         <p:nvSpPr>
-          <p:cNvPr id="350" name="TextShape 3"/>
+          <p:cNvPr id="349" name="TextShape 3"/>
           <p:cNvSpPr txBox="1"/>
           <p:nvPr/>
         </p:nvSpPr>
@@ -15003,7 +14978,7 @@
                 <a:spcPct val="100000"/>
               </a:lnSpc>
             </a:pPr>
-            <a:fld id="{7F28009F-63A7-4459-8F53-43B3525C2056}" type="slidenum">
+            <a:fld id="{846D7D4D-5BED-4A3E-A5F3-E293D4B9F88A}" type="slidenum">
               <a:rPr lang="en-US" sz="1200">
                 <a:solidFill>
                   <a:srgbClr val="8b8b8b"/>
@@ -15018,7 +14993,7 @@
       </p:sp>
       <p:sp>
         <p:nvSpPr>
-          <p:cNvPr id="351" name="CustomShape 4"/>
+          <p:cNvPr id="350" name="CustomShape 4"/>
           <p:cNvSpPr/>
           <p:nvPr/>
         </p:nvSpPr>
@@ -15371,7 +15346,7 @@
       </p:grpSpPr>
       <p:sp>
         <p:nvSpPr>
-          <p:cNvPr id="352" name="TextShape 1"/>
+          <p:cNvPr id="351" name="TextShape 1"/>
           <p:cNvSpPr txBox="1"/>
           <p:nvPr/>
         </p:nvSpPr>
@@ -15407,7 +15382,7 @@
       </p:sp>
       <p:sp>
         <p:nvSpPr>
-          <p:cNvPr id="353" name="TextShape 2"/>
+          <p:cNvPr id="352" name="TextShape 2"/>
           <p:cNvSpPr txBox="1"/>
           <p:nvPr/>
         </p:nvSpPr>
@@ -15491,7 +15466,7 @@
       </p:sp>
       <p:sp>
         <p:nvSpPr>
-          <p:cNvPr id="354" name="TextShape 3"/>
+          <p:cNvPr id="353" name="TextShape 3"/>
           <p:cNvSpPr txBox="1"/>
           <p:nvPr/>
         </p:nvSpPr>
@@ -15512,7 +15487,7 @@
                 <a:spcPct val="100000"/>
               </a:lnSpc>
             </a:pPr>
-            <a:fld id="{A8BB6820-89CD-428F-8EFE-6C4D8C920D8B}" type="slidenum">
+            <a:fld id="{A2BD08CA-CBD5-46CD-8FDD-8E284B48458D}" type="slidenum">
               <a:rPr lang="en-US" sz="1200">
                 <a:solidFill>
                   <a:srgbClr val="8b8b8b"/>
